--- a/backend/templates/modern_minimalist.pptx
+++ b/backend/templates/modern_minimalist.pptx
@@ -5,9 +5,10 @@
     <p:sldMasterId id="2147483648" r:id="rId1"/>
   </p:sldMasterIdLst>
   <p:sldIdLst>
-    <p:sldId id="256" r:id="rId7"/>
+    <p:sldId id="256" r:id="rId2"/>
+    <p:sldId id="259" r:id="rId3"/>
   </p:sldIdLst>
-  <p:sldSz cx="12188952" cy="6858000" type="screen4x3"/>
+  <p:sldSz cx="12188825" cy="6858000"/>
   <p:notesSz cx="6858000" cy="9144000"/>
   <p:defaultTextStyle>
     <a:defPPr>
@@ -104,6 +105,22 @@
       </a:defRPr>
     </a:lvl9pPr>
   </p:defaultTextStyle>
+  <p:extLst>
+    <p:ext uri="{EFAFB233-063F-42B5-8137-9DF3F51BA10A}">
+      <p15:sldGuideLst xmlns:p15="http://schemas.microsoft.com/office/powerpoint/2012/main">
+        <p15:guide id="1" orient="horz" pos="2160">
+          <p15:clr>
+            <a:srgbClr val="A4A3A4"/>
+          </p15:clr>
+        </p15:guide>
+        <p15:guide id="2" pos="2880">
+          <p15:clr>
+            <a:srgbClr val="A4A3A4"/>
+          </p15:clr>
+        </p15:guide>
+      </p15:sldGuideLst>
+    </p:ext>
+  </p:extLst>
 </p:presentation>
 </file>
 
@@ -145,10 +162,9 @@
           <a:lstStyle/>
           <a:p>
             <a:r>
-              <a:rPr lang="en-US" smtClean="0"/>
+              <a:rPr lang="en-US"/>
               <a:t>Click to edit Master title style</a:t>
             </a:r>
-            <a:endParaRPr lang="en-US"/>
           </a:p>
         </p:txBody>
       </p:sp>
@@ -264,10 +280,9 @@
           </a:lstStyle>
           <a:p>
             <a:r>
-              <a:rPr lang="en-US" smtClean="0"/>
+              <a:rPr lang="en-US"/>
               <a:t>Click to edit Master subtitle style</a:t>
             </a:r>
-            <a:endParaRPr lang="en-US"/>
           </a:p>
         </p:txBody>
       </p:sp>
@@ -288,7 +303,7 @@
           <a:p>
             <a:fld id="{5BCAD085-E8A6-8845-BD4E-CB4CCA059FC4}" type="datetimeFigureOut">
               <a:rPr lang="en-US" smtClean="0"/>
-              <a:t>1/27/13</a:t>
+              <a:t>3/31/2025</a:t>
             </a:fld>
             <a:endParaRPr lang="en-US"/>
           </a:p>
@@ -382,10 +397,9 @@
           <a:lstStyle/>
           <a:p>
             <a:r>
-              <a:rPr lang="en-US" smtClean="0"/>
+              <a:rPr lang="en-US"/>
               <a:t>Click to edit Master title style</a:t>
             </a:r>
-            <a:endParaRPr lang="en-US"/>
           </a:p>
         </p:txBody>
       </p:sp>
@@ -406,38 +420,37 @@
           <a:p>
             <a:pPr lvl="0"/>
             <a:r>
-              <a:rPr lang="en-US" smtClean="0"/>
+              <a:rPr lang="en-US"/>
               <a:t>Click to edit Master text styles</a:t>
             </a:r>
           </a:p>
           <a:p>
             <a:pPr lvl="1"/>
             <a:r>
-              <a:rPr lang="en-US" smtClean="0"/>
+              <a:rPr lang="en-US"/>
               <a:t>Second level</a:t>
             </a:r>
           </a:p>
           <a:p>
             <a:pPr lvl="2"/>
             <a:r>
-              <a:rPr lang="en-US" smtClean="0"/>
+              <a:rPr lang="en-US"/>
               <a:t>Third level</a:t>
             </a:r>
           </a:p>
           <a:p>
             <a:pPr lvl="3"/>
             <a:r>
-              <a:rPr lang="en-US" smtClean="0"/>
+              <a:rPr lang="en-US"/>
               <a:t>Fourth level</a:t>
             </a:r>
           </a:p>
           <a:p>
             <a:pPr lvl="4"/>
             <a:r>
-              <a:rPr lang="en-US" smtClean="0"/>
+              <a:rPr lang="en-US"/>
               <a:t>Fifth level</a:t>
             </a:r>
-            <a:endParaRPr lang="en-US"/>
           </a:p>
         </p:txBody>
       </p:sp>
@@ -458,7 +471,7 @@
           <a:p>
             <a:fld id="{5BCAD085-E8A6-8845-BD4E-CB4CCA059FC4}" type="datetimeFigureOut">
               <a:rPr lang="en-US" smtClean="0"/>
-              <a:t>1/27/13</a:t>
+              <a:t>3/31/2025</a:t>
             </a:fld>
             <a:endParaRPr lang="en-US"/>
           </a:p>
@@ -557,10 +570,9 @@
           <a:lstStyle/>
           <a:p>
             <a:r>
-              <a:rPr lang="en-US" smtClean="0"/>
+              <a:rPr lang="en-US"/>
               <a:t>Click to edit Master title style</a:t>
             </a:r>
-            <a:endParaRPr lang="en-US"/>
           </a:p>
         </p:txBody>
       </p:sp>
@@ -586,38 +598,37 @@
           <a:p>
             <a:pPr lvl="0"/>
             <a:r>
-              <a:rPr lang="en-US" smtClean="0"/>
+              <a:rPr lang="en-US"/>
               <a:t>Click to edit Master text styles</a:t>
             </a:r>
           </a:p>
           <a:p>
             <a:pPr lvl="1"/>
             <a:r>
-              <a:rPr lang="en-US" smtClean="0"/>
+              <a:rPr lang="en-US"/>
               <a:t>Second level</a:t>
             </a:r>
           </a:p>
           <a:p>
             <a:pPr lvl="2"/>
             <a:r>
-              <a:rPr lang="en-US" smtClean="0"/>
+              <a:rPr lang="en-US"/>
               <a:t>Third level</a:t>
             </a:r>
           </a:p>
           <a:p>
             <a:pPr lvl="3"/>
             <a:r>
-              <a:rPr lang="en-US" smtClean="0"/>
+              <a:rPr lang="en-US"/>
               <a:t>Fourth level</a:t>
             </a:r>
           </a:p>
           <a:p>
             <a:pPr lvl="4"/>
             <a:r>
-              <a:rPr lang="en-US" smtClean="0"/>
+              <a:rPr lang="en-US"/>
               <a:t>Fifth level</a:t>
             </a:r>
-            <a:endParaRPr lang="en-US"/>
           </a:p>
         </p:txBody>
       </p:sp>
@@ -638,7 +649,7 @@
           <a:p>
             <a:fld id="{5BCAD085-E8A6-8845-BD4E-CB4CCA059FC4}" type="datetimeFigureOut">
               <a:rPr lang="en-US" smtClean="0"/>
-              <a:t>1/27/13</a:t>
+              <a:t>3/31/2025</a:t>
             </a:fld>
             <a:endParaRPr lang="en-US"/>
           </a:p>
@@ -732,10 +743,9 @@
           <a:lstStyle/>
           <a:p>
             <a:r>
-              <a:rPr lang="en-US" smtClean="0"/>
+              <a:rPr lang="en-US"/>
               <a:t>Click to edit Master title style</a:t>
             </a:r>
-            <a:endParaRPr lang="en-US"/>
           </a:p>
         </p:txBody>
       </p:sp>
@@ -756,38 +766,37 @@
           <a:p>
             <a:pPr lvl="0"/>
             <a:r>
-              <a:rPr lang="en-US" smtClean="0"/>
+              <a:rPr lang="en-US"/>
               <a:t>Click to edit Master text styles</a:t>
             </a:r>
           </a:p>
           <a:p>
             <a:pPr lvl="1"/>
             <a:r>
-              <a:rPr lang="en-US" smtClean="0"/>
+              <a:rPr lang="en-US"/>
               <a:t>Second level</a:t>
             </a:r>
           </a:p>
           <a:p>
             <a:pPr lvl="2"/>
             <a:r>
-              <a:rPr lang="en-US" smtClean="0"/>
+              <a:rPr lang="en-US"/>
               <a:t>Third level</a:t>
             </a:r>
           </a:p>
           <a:p>
             <a:pPr lvl="3"/>
             <a:r>
-              <a:rPr lang="en-US" smtClean="0"/>
+              <a:rPr lang="en-US"/>
               <a:t>Fourth level</a:t>
             </a:r>
           </a:p>
           <a:p>
             <a:pPr lvl="4"/>
             <a:r>
-              <a:rPr lang="en-US" smtClean="0"/>
+              <a:rPr lang="en-US"/>
               <a:t>Fifth level</a:t>
             </a:r>
-            <a:endParaRPr lang="en-US"/>
           </a:p>
         </p:txBody>
       </p:sp>
@@ -808,7 +817,7 @@
           <a:p>
             <a:fld id="{5BCAD085-E8A6-8845-BD4E-CB4CCA059FC4}" type="datetimeFigureOut">
               <a:rPr lang="en-US" smtClean="0"/>
-              <a:t>1/27/13</a:t>
+              <a:t>3/31/2025</a:t>
             </a:fld>
             <a:endParaRPr lang="en-US"/>
           </a:p>
@@ -911,10 +920,9 @@
           </a:lstStyle>
           <a:p>
             <a:r>
-              <a:rPr lang="en-US" smtClean="0"/>
+              <a:rPr lang="en-US"/>
               <a:t>Click to edit Master title style</a:t>
             </a:r>
-            <a:endParaRPr lang="en-US"/>
           </a:p>
         </p:txBody>
       </p:sp>
@@ -1031,7 +1039,7 @@
           <a:p>
             <a:pPr lvl="0"/>
             <a:r>
-              <a:rPr lang="en-US" smtClean="0"/>
+              <a:rPr lang="en-US"/>
               <a:t>Click to edit Master text styles</a:t>
             </a:r>
           </a:p>
@@ -1054,7 +1062,7 @@
           <a:p>
             <a:fld id="{5BCAD085-E8A6-8845-BD4E-CB4CCA059FC4}" type="datetimeFigureOut">
               <a:rPr lang="en-US" smtClean="0"/>
-              <a:t>1/27/13</a:t>
+              <a:t>3/31/2025</a:t>
             </a:fld>
             <a:endParaRPr lang="en-US"/>
           </a:p>
@@ -1148,10 +1156,9 @@
           <a:lstStyle/>
           <a:p>
             <a:r>
-              <a:rPr lang="en-US" smtClean="0"/>
+              <a:rPr lang="en-US"/>
               <a:t>Click to edit Master title style</a:t>
             </a:r>
-            <a:endParaRPr lang="en-US"/>
           </a:p>
         </p:txBody>
       </p:sp>
@@ -1205,38 +1212,37 @@
           <a:p>
             <a:pPr lvl="0"/>
             <a:r>
-              <a:rPr lang="en-US" smtClean="0"/>
+              <a:rPr lang="en-US"/>
               <a:t>Click to edit Master text styles</a:t>
             </a:r>
           </a:p>
           <a:p>
             <a:pPr lvl="1"/>
             <a:r>
-              <a:rPr lang="en-US" smtClean="0"/>
+              <a:rPr lang="en-US"/>
               <a:t>Second level</a:t>
             </a:r>
           </a:p>
           <a:p>
             <a:pPr lvl="2"/>
             <a:r>
-              <a:rPr lang="en-US" smtClean="0"/>
+              <a:rPr lang="en-US"/>
               <a:t>Third level</a:t>
             </a:r>
           </a:p>
           <a:p>
             <a:pPr lvl="3"/>
             <a:r>
-              <a:rPr lang="en-US" smtClean="0"/>
+              <a:rPr lang="en-US"/>
               <a:t>Fourth level</a:t>
             </a:r>
           </a:p>
           <a:p>
             <a:pPr lvl="4"/>
             <a:r>
-              <a:rPr lang="en-US" smtClean="0"/>
+              <a:rPr lang="en-US"/>
               <a:t>Fifth level</a:t>
             </a:r>
-            <a:endParaRPr lang="en-US"/>
           </a:p>
         </p:txBody>
       </p:sp>
@@ -1290,38 +1296,37 @@
           <a:p>
             <a:pPr lvl="0"/>
             <a:r>
-              <a:rPr lang="en-US" smtClean="0"/>
+              <a:rPr lang="en-US"/>
               <a:t>Click to edit Master text styles</a:t>
             </a:r>
           </a:p>
           <a:p>
             <a:pPr lvl="1"/>
             <a:r>
-              <a:rPr lang="en-US" smtClean="0"/>
+              <a:rPr lang="en-US"/>
               <a:t>Second level</a:t>
             </a:r>
           </a:p>
           <a:p>
             <a:pPr lvl="2"/>
             <a:r>
-              <a:rPr lang="en-US" smtClean="0"/>
+              <a:rPr lang="en-US"/>
               <a:t>Third level</a:t>
             </a:r>
           </a:p>
           <a:p>
             <a:pPr lvl="3"/>
             <a:r>
-              <a:rPr lang="en-US" smtClean="0"/>
+              <a:rPr lang="en-US"/>
               <a:t>Fourth level</a:t>
             </a:r>
           </a:p>
           <a:p>
             <a:pPr lvl="4"/>
             <a:r>
-              <a:rPr lang="en-US" smtClean="0"/>
+              <a:rPr lang="en-US"/>
               <a:t>Fifth level</a:t>
             </a:r>
-            <a:endParaRPr lang="en-US"/>
           </a:p>
         </p:txBody>
       </p:sp>
@@ -1342,7 +1347,7 @@
           <a:p>
             <a:fld id="{5BCAD085-E8A6-8845-BD4E-CB4CCA059FC4}" type="datetimeFigureOut">
               <a:rPr lang="en-US" smtClean="0"/>
-              <a:t>1/27/13</a:t>
+              <a:t>3/31/2025</a:t>
             </a:fld>
             <a:endParaRPr lang="en-US"/>
           </a:p>
@@ -1440,10 +1445,9 @@
           </a:lstStyle>
           <a:p>
             <a:r>
-              <a:rPr lang="en-US" smtClean="0"/>
+              <a:rPr lang="en-US"/>
               <a:t>Click to edit Master title style</a:t>
             </a:r>
-            <a:endParaRPr lang="en-US"/>
           </a:p>
         </p:txBody>
       </p:sp>
@@ -1506,7 +1510,7 @@
           <a:p>
             <a:pPr lvl="0"/>
             <a:r>
-              <a:rPr lang="en-US" smtClean="0"/>
+              <a:rPr lang="en-US"/>
               <a:t>Click to edit Master text styles</a:t>
             </a:r>
           </a:p>
@@ -1562,38 +1566,37 @@
           <a:p>
             <a:pPr lvl="0"/>
             <a:r>
-              <a:rPr lang="en-US" smtClean="0"/>
+              <a:rPr lang="en-US"/>
               <a:t>Click to edit Master text styles</a:t>
             </a:r>
           </a:p>
           <a:p>
             <a:pPr lvl="1"/>
             <a:r>
-              <a:rPr lang="en-US" smtClean="0"/>
+              <a:rPr lang="en-US"/>
               <a:t>Second level</a:t>
             </a:r>
           </a:p>
           <a:p>
             <a:pPr lvl="2"/>
             <a:r>
-              <a:rPr lang="en-US" smtClean="0"/>
+              <a:rPr lang="en-US"/>
               <a:t>Third level</a:t>
             </a:r>
           </a:p>
           <a:p>
             <a:pPr lvl="3"/>
             <a:r>
-              <a:rPr lang="en-US" smtClean="0"/>
+              <a:rPr lang="en-US"/>
               <a:t>Fourth level</a:t>
             </a:r>
           </a:p>
           <a:p>
             <a:pPr lvl="4"/>
             <a:r>
-              <a:rPr lang="en-US" smtClean="0"/>
+              <a:rPr lang="en-US"/>
               <a:t>Fifth level</a:t>
             </a:r>
-            <a:endParaRPr lang="en-US"/>
           </a:p>
         </p:txBody>
       </p:sp>
@@ -1656,7 +1659,7 @@
           <a:p>
             <a:pPr lvl="0"/>
             <a:r>
-              <a:rPr lang="en-US" smtClean="0"/>
+              <a:rPr lang="en-US"/>
               <a:t>Click to edit Master text styles</a:t>
             </a:r>
           </a:p>
@@ -1712,38 +1715,37 @@
           <a:p>
             <a:pPr lvl="0"/>
             <a:r>
-              <a:rPr lang="en-US" smtClean="0"/>
+              <a:rPr lang="en-US"/>
               <a:t>Click to edit Master text styles</a:t>
             </a:r>
           </a:p>
           <a:p>
             <a:pPr lvl="1"/>
             <a:r>
-              <a:rPr lang="en-US" smtClean="0"/>
+              <a:rPr lang="en-US"/>
               <a:t>Second level</a:t>
             </a:r>
           </a:p>
           <a:p>
             <a:pPr lvl="2"/>
             <a:r>
-              <a:rPr lang="en-US" smtClean="0"/>
+              <a:rPr lang="en-US"/>
               <a:t>Third level</a:t>
             </a:r>
           </a:p>
           <a:p>
             <a:pPr lvl="3"/>
             <a:r>
-              <a:rPr lang="en-US" smtClean="0"/>
+              <a:rPr lang="en-US"/>
               <a:t>Fourth level</a:t>
             </a:r>
           </a:p>
           <a:p>
             <a:pPr lvl="4"/>
             <a:r>
-              <a:rPr lang="en-US" smtClean="0"/>
+              <a:rPr lang="en-US"/>
               <a:t>Fifth level</a:t>
             </a:r>
-            <a:endParaRPr lang="en-US"/>
           </a:p>
         </p:txBody>
       </p:sp>
@@ -1764,7 +1766,7 @@
           <a:p>
             <a:fld id="{5BCAD085-E8A6-8845-BD4E-CB4CCA059FC4}" type="datetimeFigureOut">
               <a:rPr lang="en-US" smtClean="0"/>
-              <a:t>1/27/13</a:t>
+              <a:t>3/31/2025</a:t>
             </a:fld>
             <a:endParaRPr lang="en-US"/>
           </a:p>
@@ -1858,10 +1860,9 @@
           <a:lstStyle/>
           <a:p>
             <a:r>
-              <a:rPr lang="en-US" smtClean="0"/>
+              <a:rPr lang="en-US"/>
               <a:t>Click to edit Master title style</a:t>
             </a:r>
-            <a:endParaRPr lang="en-US"/>
           </a:p>
         </p:txBody>
       </p:sp>
@@ -1882,7 +1883,7 @@
           <a:p>
             <a:fld id="{5BCAD085-E8A6-8845-BD4E-CB4CCA059FC4}" type="datetimeFigureOut">
               <a:rPr lang="en-US" smtClean="0"/>
-              <a:t>1/27/13</a:t>
+              <a:t>3/31/2025</a:t>
             </a:fld>
             <a:endParaRPr lang="en-US"/>
           </a:p>
@@ -1977,7 +1978,7 @@
           <a:p>
             <a:fld id="{5BCAD085-E8A6-8845-BD4E-CB4CCA059FC4}" type="datetimeFigureOut">
               <a:rPr lang="en-US" smtClean="0"/>
-              <a:t>1/27/13</a:t>
+              <a:t>3/31/2025</a:t>
             </a:fld>
             <a:endParaRPr lang="en-US"/>
           </a:p>
@@ -2080,10 +2081,9 @@
           </a:lstStyle>
           <a:p>
             <a:r>
-              <a:rPr lang="en-US" smtClean="0"/>
+              <a:rPr lang="en-US"/>
               <a:t>Click to edit Master title style</a:t>
             </a:r>
-            <a:endParaRPr lang="en-US"/>
           </a:p>
         </p:txBody>
       </p:sp>
@@ -2137,38 +2137,37 @@
           <a:p>
             <a:pPr lvl="0"/>
             <a:r>
-              <a:rPr lang="en-US" smtClean="0"/>
+              <a:rPr lang="en-US"/>
               <a:t>Click to edit Master text styles</a:t>
             </a:r>
           </a:p>
           <a:p>
             <a:pPr lvl="1"/>
             <a:r>
-              <a:rPr lang="en-US" smtClean="0"/>
+              <a:rPr lang="en-US"/>
               <a:t>Second level</a:t>
             </a:r>
           </a:p>
           <a:p>
             <a:pPr lvl="2"/>
             <a:r>
-              <a:rPr lang="en-US" smtClean="0"/>
+              <a:rPr lang="en-US"/>
               <a:t>Third level</a:t>
             </a:r>
           </a:p>
           <a:p>
             <a:pPr lvl="3"/>
             <a:r>
-              <a:rPr lang="en-US" smtClean="0"/>
+              <a:rPr lang="en-US"/>
               <a:t>Fourth level</a:t>
             </a:r>
           </a:p>
           <a:p>
             <a:pPr lvl="4"/>
             <a:r>
-              <a:rPr lang="en-US" smtClean="0"/>
+              <a:rPr lang="en-US"/>
               <a:t>Fifth level</a:t>
             </a:r>
-            <a:endParaRPr lang="en-US"/>
           </a:p>
         </p:txBody>
       </p:sp>
@@ -2231,7 +2230,7 @@
           <a:p>
             <a:pPr lvl="0"/>
             <a:r>
-              <a:rPr lang="en-US" smtClean="0"/>
+              <a:rPr lang="en-US"/>
               <a:t>Click to edit Master text styles</a:t>
             </a:r>
           </a:p>
@@ -2254,7 +2253,7 @@
           <a:p>
             <a:fld id="{5BCAD085-E8A6-8845-BD4E-CB4CCA059FC4}" type="datetimeFigureOut">
               <a:rPr lang="en-US" smtClean="0"/>
-              <a:t>1/27/13</a:t>
+              <a:t>3/31/2025</a:t>
             </a:fld>
             <a:endParaRPr lang="en-US"/>
           </a:p>
@@ -2357,10 +2356,9 @@
           </a:lstStyle>
           <a:p>
             <a:r>
-              <a:rPr lang="en-US" smtClean="0"/>
+              <a:rPr lang="en-US"/>
               <a:t>Click to edit Master title style</a:t>
             </a:r>
-            <a:endParaRPr lang="en-US"/>
           </a:p>
         </p:txBody>
       </p:sp>
@@ -2484,7 +2482,7 @@
           <a:p>
             <a:pPr lvl="0"/>
             <a:r>
-              <a:rPr lang="en-US" smtClean="0"/>
+              <a:rPr lang="en-US"/>
               <a:t>Click to edit Master text styles</a:t>
             </a:r>
           </a:p>
@@ -2507,7 +2505,7 @@
           <a:p>
             <a:fld id="{5BCAD085-E8A6-8845-BD4E-CB4CCA059FC4}" type="datetimeFigureOut">
               <a:rPr lang="en-US" smtClean="0"/>
-              <a:t>1/27/13</a:t>
+              <a:t>3/31/2025</a:t>
             </a:fld>
             <a:endParaRPr lang="en-US"/>
           </a:p>
@@ -2616,10 +2614,9 @@
           <a:lstStyle/>
           <a:p>
             <a:r>
-              <a:rPr lang="en-US" smtClean="0"/>
+              <a:rPr lang="en-US"/>
               <a:t>Click to edit Master title style</a:t>
             </a:r>
-            <a:endParaRPr lang="en-US"/>
           </a:p>
         </p:txBody>
       </p:sp>
@@ -2650,38 +2647,37 @@
           <a:p>
             <a:pPr lvl="0"/>
             <a:r>
-              <a:rPr lang="en-US" smtClean="0"/>
+              <a:rPr lang="en-US"/>
               <a:t>Click to edit Master text styles</a:t>
             </a:r>
           </a:p>
           <a:p>
             <a:pPr lvl="1"/>
             <a:r>
-              <a:rPr lang="en-US" smtClean="0"/>
+              <a:rPr lang="en-US"/>
               <a:t>Second level</a:t>
             </a:r>
           </a:p>
           <a:p>
             <a:pPr lvl="2"/>
             <a:r>
-              <a:rPr lang="en-US" smtClean="0"/>
+              <a:rPr lang="en-US"/>
               <a:t>Third level</a:t>
             </a:r>
           </a:p>
           <a:p>
             <a:pPr lvl="3"/>
             <a:r>
-              <a:rPr lang="en-US" smtClean="0"/>
+              <a:rPr lang="en-US"/>
               <a:t>Fourth level</a:t>
             </a:r>
           </a:p>
           <a:p>
             <a:pPr lvl="4"/>
             <a:r>
-              <a:rPr lang="en-US" smtClean="0"/>
+              <a:rPr lang="en-US"/>
               <a:t>Fifth level</a:t>
             </a:r>
-            <a:endParaRPr lang="en-US"/>
           </a:p>
         </p:txBody>
       </p:sp>
@@ -2720,7 +2716,7 @@
           <a:p>
             <a:fld id="{5BCAD085-E8A6-8845-BD4E-CB4CCA059FC4}" type="datetimeFigureOut">
               <a:rPr lang="en-US" smtClean="0"/>
-              <a:t>1/27/13</a:t>
+              <a:t>3/31/2025</a:t>
             </a:fld>
             <a:endParaRPr lang="en-US"/>
           </a:p>
@@ -3079,7 +3075,7 @@
 </file>
 
 <file path=ppt/slides/slide1.xml><?xml version="1.0" encoding="utf-8"?>
-<p:sld xmlns:a="http://schemas.openxmlformats.org/drawingml/2006/main" xmlns:p="http://schemas.openxmlformats.org/presentationml/2006/main" xmlns:r="http://schemas.openxmlformats.org/officeDocument/2006/relationships">
+<p:sld xmlns:a="http://schemas.openxmlformats.org/drawingml/2006/main" xmlns:r="http://schemas.openxmlformats.org/officeDocument/2006/relationships" xmlns:p="http://schemas.openxmlformats.org/presentationml/2006/main">
   <p:cSld>
     <p:bg>
       <p:bgPr>
@@ -3095,7 +3091,14 @@
         <p:cNvGrpSpPr/>
         <p:nvPr/>
       </p:nvGrpSpPr>
-      <p:grpSpPr/>
+      <p:grpSpPr>
+        <a:xfrm>
+          <a:off x="0" y="0"/>
+          <a:ext cx="0" cy="0"/>
+          <a:chOff x="0" y="0"/>
+          <a:chExt cx="0" cy="0"/>
+        </a:xfrm>
+      </p:grpSpPr>
       <p:sp>
         <p:nvSpPr>
           <p:cNvPr id="2" name="Title 1"/>
@@ -3106,7 +3109,12 @@
             <p:ph type="title"/>
           </p:nvPr>
         </p:nvSpPr>
-        <p:spPr/>
+        <p:spPr>
+          <a:xfrm>
+            <a:off x="2057400" y="1600200"/>
+            <a:ext cx="8229600" cy="1143000"/>
+          </a:xfrm>
+        </p:spPr>
         <p:txBody>
           <a:bodyPr/>
           <a:lstStyle/>
@@ -3119,6 +3127,7 @@
               </a:defRPr>
             </a:pPr>
             <a:r>
+              <a:rPr dirty="0"/>
               <a:t>Presentation Title</a:t>
             </a:r>
           </a:p>
@@ -3132,7 +3141,7 @@
         </p:nvSpPr>
         <p:spPr>
           <a:xfrm>
-            <a:off x="2743200" y="2743200"/>
+            <a:off x="8311896" y="4343400"/>
             <a:ext cx="4572000" cy="914400"/>
           </a:xfrm>
           <a:prstGeom prst="rect">
@@ -3154,12 +3163,100 @@
               </a:defRPr>
             </a:pPr>
             <a:r>
+              <a:rPr dirty="0"/>
               <a:t>By Author Name</a:t>
             </a:r>
           </a:p>
         </p:txBody>
       </p:sp>
     </p:spTree>
+  </p:cSld>
+  <p:clrMapOvr>
+    <a:masterClrMapping/>
+  </p:clrMapOvr>
+</p:sld>
+</file>
+
+<file path=ppt/slides/slide2.xml><?xml version="1.0" encoding="utf-8"?>
+<p:sld xmlns:a="http://schemas.openxmlformats.org/drawingml/2006/main" xmlns:r="http://schemas.openxmlformats.org/officeDocument/2006/relationships" xmlns:p="http://schemas.openxmlformats.org/presentationml/2006/main">
+  <p:cSld>
+    <p:bg>
+      <p:bgPr>
+        <a:solidFill>
+          <a:srgbClr val="003366"/>
+        </a:solidFill>
+        <a:effectLst/>
+      </p:bgPr>
+    </p:bg>
+    <p:spTree>
+      <p:nvGrpSpPr>
+        <p:cNvPr id="1" name="">
+          <a:extLst>
+            <a:ext uri="{FF2B5EF4-FFF2-40B4-BE49-F238E27FC236}">
+              <a16:creationId xmlns:a16="http://schemas.microsoft.com/office/drawing/2014/main" id="{542A587D-97C8-627C-B64A-8CC1BE61408B}"/>
+            </a:ext>
+          </a:extLst>
+        </p:cNvPr>
+        <p:cNvGrpSpPr/>
+        <p:nvPr/>
+      </p:nvGrpSpPr>
+      <p:grpSpPr>
+        <a:xfrm>
+          <a:off x="0" y="0"/>
+          <a:ext cx="0" cy="0"/>
+          <a:chOff x="0" y="0"/>
+          <a:chExt cx="0" cy="0"/>
+        </a:xfrm>
+      </p:grpSpPr>
+      <p:sp>
+        <p:nvSpPr>
+          <p:cNvPr id="2" name="Title 1">
+            <a:extLst>
+              <a:ext uri="{FF2B5EF4-FFF2-40B4-BE49-F238E27FC236}">
+                <a16:creationId xmlns:a16="http://schemas.microsoft.com/office/drawing/2014/main" id="{EC6621FC-6A52-E0F4-AFE7-F64900599BAA}"/>
+              </a:ext>
+            </a:extLst>
+          </p:cNvPr>
+          <p:cNvSpPr>
+            <a:spLocks noGrp="1"/>
+          </p:cNvSpPr>
+          <p:nvPr>
+            <p:ph type="title"/>
+          </p:nvPr>
+        </p:nvSpPr>
+        <p:spPr>
+          <a:xfrm>
+            <a:off x="3588956" y="2167128"/>
+            <a:ext cx="5010912" cy="1463040"/>
+          </a:xfrm>
+        </p:spPr>
+        <p:txBody>
+          <a:bodyPr>
+            <a:noAutofit/>
+          </a:bodyPr>
+          <a:lstStyle/>
+          <a:p>
+            <a:pPr>
+              <a:defRPr sz="4400" b="1">
+                <a:solidFill>
+                  <a:srgbClr val="FFFFFF"/>
+                </a:solidFill>
+              </a:defRPr>
+            </a:pPr>
+            <a:r>
+              <a:rPr lang="en-US" sz="5400" dirty="0"/>
+              <a:t>THANK YOU</a:t>
+            </a:r>
+            <a:endParaRPr sz="5400" dirty="0"/>
+          </a:p>
+        </p:txBody>
+      </p:sp>
+    </p:spTree>
+    <p:extLst>
+      <p:ext uri="{BB962C8B-B14F-4D97-AF65-F5344CB8AC3E}">
+        <p14:creationId xmlns:p14="http://schemas.microsoft.com/office/powerpoint/2010/main" val="2214594514"/>
+      </p:ext>
+    </p:extLst>
   </p:cSld>
   <p:clrMapOvr>
     <a:masterClrMapping/>

--- a/backend/templates/modern_minimalist.pptx
+++ b/backend/templates/modern_minimalist.pptx
@@ -5,10 +5,12 @@
     <p:sldMasterId id="2147483648" r:id="rId1"/>
   </p:sldMasterIdLst>
   <p:sldIdLst>
-    <p:sldId id="256" r:id="rId2"/>
-    <p:sldId id="259" r:id="rId3"/>
+    <p:sldId id="256" r:id="rId7"/>
+    <p:sldId id="257" r:id="rId8"/>
+    <p:sldId id="258" r:id="rId9"/>
+    <p:sldId id="259" r:id="rId10"/>
   </p:sldIdLst>
-  <p:sldSz cx="12188825" cy="6858000"/>
+  <p:sldSz cx="12188952" cy="6858000" type="screen4x3"/>
   <p:notesSz cx="6858000" cy="9144000"/>
   <p:defaultTextStyle>
     <a:defPPr>
@@ -105,22 +107,6 @@
       </a:defRPr>
     </a:lvl9pPr>
   </p:defaultTextStyle>
-  <p:extLst>
-    <p:ext uri="{EFAFB233-063F-42B5-8137-9DF3F51BA10A}">
-      <p15:sldGuideLst xmlns:p15="http://schemas.microsoft.com/office/powerpoint/2012/main">
-        <p15:guide id="1" orient="horz" pos="2160">
-          <p15:clr>
-            <a:srgbClr val="A4A3A4"/>
-          </p15:clr>
-        </p15:guide>
-        <p15:guide id="2" pos="2880">
-          <p15:clr>
-            <a:srgbClr val="A4A3A4"/>
-          </p15:clr>
-        </p15:guide>
-      </p15:sldGuideLst>
-    </p:ext>
-  </p:extLst>
 </p:presentation>
 </file>
 
@@ -162,9 +148,10 @@
           <a:lstStyle/>
           <a:p>
             <a:r>
-              <a:rPr lang="en-US"/>
+              <a:rPr lang="en-US" smtClean="0"/>
               <a:t>Click to edit Master title style</a:t>
             </a:r>
+            <a:endParaRPr lang="en-US"/>
           </a:p>
         </p:txBody>
       </p:sp>
@@ -280,9 +267,10 @@
           </a:lstStyle>
           <a:p>
             <a:r>
-              <a:rPr lang="en-US"/>
+              <a:rPr lang="en-US" smtClean="0"/>
               <a:t>Click to edit Master subtitle style</a:t>
             </a:r>
+            <a:endParaRPr lang="en-US"/>
           </a:p>
         </p:txBody>
       </p:sp>
@@ -303,7 +291,7 @@
           <a:p>
             <a:fld id="{5BCAD085-E8A6-8845-BD4E-CB4CCA059FC4}" type="datetimeFigureOut">
               <a:rPr lang="en-US" smtClean="0"/>
-              <a:t>3/31/2025</a:t>
+              <a:t>1/27/13</a:t>
             </a:fld>
             <a:endParaRPr lang="en-US"/>
           </a:p>
@@ -397,9 +385,10 @@
           <a:lstStyle/>
           <a:p>
             <a:r>
-              <a:rPr lang="en-US"/>
+              <a:rPr lang="en-US" smtClean="0"/>
               <a:t>Click to edit Master title style</a:t>
             </a:r>
+            <a:endParaRPr lang="en-US"/>
           </a:p>
         </p:txBody>
       </p:sp>
@@ -420,37 +409,38 @@
           <a:p>
             <a:pPr lvl="0"/>
             <a:r>
-              <a:rPr lang="en-US"/>
+              <a:rPr lang="en-US" smtClean="0"/>
               <a:t>Click to edit Master text styles</a:t>
             </a:r>
           </a:p>
           <a:p>
             <a:pPr lvl="1"/>
             <a:r>
-              <a:rPr lang="en-US"/>
+              <a:rPr lang="en-US" smtClean="0"/>
               <a:t>Second level</a:t>
             </a:r>
           </a:p>
           <a:p>
             <a:pPr lvl="2"/>
             <a:r>
-              <a:rPr lang="en-US"/>
+              <a:rPr lang="en-US" smtClean="0"/>
               <a:t>Third level</a:t>
             </a:r>
           </a:p>
           <a:p>
             <a:pPr lvl="3"/>
             <a:r>
-              <a:rPr lang="en-US"/>
+              <a:rPr lang="en-US" smtClean="0"/>
               <a:t>Fourth level</a:t>
             </a:r>
           </a:p>
           <a:p>
             <a:pPr lvl="4"/>
             <a:r>
-              <a:rPr lang="en-US"/>
+              <a:rPr lang="en-US" smtClean="0"/>
               <a:t>Fifth level</a:t>
             </a:r>
+            <a:endParaRPr lang="en-US"/>
           </a:p>
         </p:txBody>
       </p:sp>
@@ -471,7 +461,7 @@
           <a:p>
             <a:fld id="{5BCAD085-E8A6-8845-BD4E-CB4CCA059FC4}" type="datetimeFigureOut">
               <a:rPr lang="en-US" smtClean="0"/>
-              <a:t>3/31/2025</a:t>
+              <a:t>1/27/13</a:t>
             </a:fld>
             <a:endParaRPr lang="en-US"/>
           </a:p>
@@ -570,9 +560,10 @@
           <a:lstStyle/>
           <a:p>
             <a:r>
-              <a:rPr lang="en-US"/>
+              <a:rPr lang="en-US" smtClean="0"/>
               <a:t>Click to edit Master title style</a:t>
             </a:r>
+            <a:endParaRPr lang="en-US"/>
           </a:p>
         </p:txBody>
       </p:sp>
@@ -598,37 +589,38 @@
           <a:p>
             <a:pPr lvl="0"/>
             <a:r>
-              <a:rPr lang="en-US"/>
+              <a:rPr lang="en-US" smtClean="0"/>
               <a:t>Click to edit Master text styles</a:t>
             </a:r>
           </a:p>
           <a:p>
             <a:pPr lvl="1"/>
             <a:r>
-              <a:rPr lang="en-US"/>
+              <a:rPr lang="en-US" smtClean="0"/>
               <a:t>Second level</a:t>
             </a:r>
           </a:p>
           <a:p>
             <a:pPr lvl="2"/>
             <a:r>
-              <a:rPr lang="en-US"/>
+              <a:rPr lang="en-US" smtClean="0"/>
               <a:t>Third level</a:t>
             </a:r>
           </a:p>
           <a:p>
             <a:pPr lvl="3"/>
             <a:r>
-              <a:rPr lang="en-US"/>
+              <a:rPr lang="en-US" smtClean="0"/>
               <a:t>Fourth level</a:t>
             </a:r>
           </a:p>
           <a:p>
             <a:pPr lvl="4"/>
             <a:r>
-              <a:rPr lang="en-US"/>
+              <a:rPr lang="en-US" smtClean="0"/>
               <a:t>Fifth level</a:t>
             </a:r>
+            <a:endParaRPr lang="en-US"/>
           </a:p>
         </p:txBody>
       </p:sp>
@@ -649,7 +641,7 @@
           <a:p>
             <a:fld id="{5BCAD085-E8A6-8845-BD4E-CB4CCA059FC4}" type="datetimeFigureOut">
               <a:rPr lang="en-US" smtClean="0"/>
-              <a:t>3/31/2025</a:t>
+              <a:t>1/27/13</a:t>
             </a:fld>
             <a:endParaRPr lang="en-US"/>
           </a:p>
@@ -743,9 +735,10 @@
           <a:lstStyle/>
           <a:p>
             <a:r>
-              <a:rPr lang="en-US"/>
+              <a:rPr lang="en-US" smtClean="0"/>
               <a:t>Click to edit Master title style</a:t>
             </a:r>
+            <a:endParaRPr lang="en-US"/>
           </a:p>
         </p:txBody>
       </p:sp>
@@ -766,37 +759,38 @@
           <a:p>
             <a:pPr lvl="0"/>
             <a:r>
-              <a:rPr lang="en-US"/>
+              <a:rPr lang="en-US" smtClean="0"/>
               <a:t>Click to edit Master text styles</a:t>
             </a:r>
           </a:p>
           <a:p>
             <a:pPr lvl="1"/>
             <a:r>
-              <a:rPr lang="en-US"/>
+              <a:rPr lang="en-US" smtClean="0"/>
               <a:t>Second level</a:t>
             </a:r>
           </a:p>
           <a:p>
             <a:pPr lvl="2"/>
             <a:r>
-              <a:rPr lang="en-US"/>
+              <a:rPr lang="en-US" smtClean="0"/>
               <a:t>Third level</a:t>
             </a:r>
           </a:p>
           <a:p>
             <a:pPr lvl="3"/>
             <a:r>
-              <a:rPr lang="en-US"/>
+              <a:rPr lang="en-US" smtClean="0"/>
               <a:t>Fourth level</a:t>
             </a:r>
           </a:p>
           <a:p>
             <a:pPr lvl="4"/>
             <a:r>
-              <a:rPr lang="en-US"/>
+              <a:rPr lang="en-US" smtClean="0"/>
               <a:t>Fifth level</a:t>
             </a:r>
+            <a:endParaRPr lang="en-US"/>
           </a:p>
         </p:txBody>
       </p:sp>
@@ -817,7 +811,7 @@
           <a:p>
             <a:fld id="{5BCAD085-E8A6-8845-BD4E-CB4CCA059FC4}" type="datetimeFigureOut">
               <a:rPr lang="en-US" smtClean="0"/>
-              <a:t>3/31/2025</a:t>
+              <a:t>1/27/13</a:t>
             </a:fld>
             <a:endParaRPr lang="en-US"/>
           </a:p>
@@ -920,9 +914,10 @@
           </a:lstStyle>
           <a:p>
             <a:r>
-              <a:rPr lang="en-US"/>
+              <a:rPr lang="en-US" smtClean="0"/>
               <a:t>Click to edit Master title style</a:t>
             </a:r>
+            <a:endParaRPr lang="en-US"/>
           </a:p>
         </p:txBody>
       </p:sp>
@@ -1039,7 +1034,7 @@
           <a:p>
             <a:pPr lvl="0"/>
             <a:r>
-              <a:rPr lang="en-US"/>
+              <a:rPr lang="en-US" smtClean="0"/>
               <a:t>Click to edit Master text styles</a:t>
             </a:r>
           </a:p>
@@ -1062,7 +1057,7 @@
           <a:p>
             <a:fld id="{5BCAD085-E8A6-8845-BD4E-CB4CCA059FC4}" type="datetimeFigureOut">
               <a:rPr lang="en-US" smtClean="0"/>
-              <a:t>3/31/2025</a:t>
+              <a:t>1/27/13</a:t>
             </a:fld>
             <a:endParaRPr lang="en-US"/>
           </a:p>
@@ -1156,9 +1151,10 @@
           <a:lstStyle/>
           <a:p>
             <a:r>
-              <a:rPr lang="en-US"/>
+              <a:rPr lang="en-US" smtClean="0"/>
               <a:t>Click to edit Master title style</a:t>
             </a:r>
+            <a:endParaRPr lang="en-US"/>
           </a:p>
         </p:txBody>
       </p:sp>
@@ -1212,37 +1208,38 @@
           <a:p>
             <a:pPr lvl="0"/>
             <a:r>
-              <a:rPr lang="en-US"/>
+              <a:rPr lang="en-US" smtClean="0"/>
               <a:t>Click to edit Master text styles</a:t>
             </a:r>
           </a:p>
           <a:p>
             <a:pPr lvl="1"/>
             <a:r>
-              <a:rPr lang="en-US"/>
+              <a:rPr lang="en-US" smtClean="0"/>
               <a:t>Second level</a:t>
             </a:r>
           </a:p>
           <a:p>
             <a:pPr lvl="2"/>
             <a:r>
-              <a:rPr lang="en-US"/>
+              <a:rPr lang="en-US" smtClean="0"/>
               <a:t>Third level</a:t>
             </a:r>
           </a:p>
           <a:p>
             <a:pPr lvl="3"/>
             <a:r>
-              <a:rPr lang="en-US"/>
+              <a:rPr lang="en-US" smtClean="0"/>
               <a:t>Fourth level</a:t>
             </a:r>
           </a:p>
           <a:p>
             <a:pPr lvl="4"/>
             <a:r>
-              <a:rPr lang="en-US"/>
+              <a:rPr lang="en-US" smtClean="0"/>
               <a:t>Fifth level</a:t>
             </a:r>
+            <a:endParaRPr lang="en-US"/>
           </a:p>
         </p:txBody>
       </p:sp>
@@ -1296,37 +1293,38 @@
           <a:p>
             <a:pPr lvl="0"/>
             <a:r>
-              <a:rPr lang="en-US"/>
+              <a:rPr lang="en-US" smtClean="0"/>
               <a:t>Click to edit Master text styles</a:t>
             </a:r>
           </a:p>
           <a:p>
             <a:pPr lvl="1"/>
             <a:r>
-              <a:rPr lang="en-US"/>
+              <a:rPr lang="en-US" smtClean="0"/>
               <a:t>Second level</a:t>
             </a:r>
           </a:p>
           <a:p>
             <a:pPr lvl="2"/>
             <a:r>
-              <a:rPr lang="en-US"/>
+              <a:rPr lang="en-US" smtClean="0"/>
               <a:t>Third level</a:t>
             </a:r>
           </a:p>
           <a:p>
             <a:pPr lvl="3"/>
             <a:r>
-              <a:rPr lang="en-US"/>
+              <a:rPr lang="en-US" smtClean="0"/>
               <a:t>Fourth level</a:t>
             </a:r>
           </a:p>
           <a:p>
             <a:pPr lvl="4"/>
             <a:r>
-              <a:rPr lang="en-US"/>
+              <a:rPr lang="en-US" smtClean="0"/>
               <a:t>Fifth level</a:t>
             </a:r>
+            <a:endParaRPr lang="en-US"/>
           </a:p>
         </p:txBody>
       </p:sp>
@@ -1347,7 +1345,7 @@
           <a:p>
             <a:fld id="{5BCAD085-E8A6-8845-BD4E-CB4CCA059FC4}" type="datetimeFigureOut">
               <a:rPr lang="en-US" smtClean="0"/>
-              <a:t>3/31/2025</a:t>
+              <a:t>1/27/13</a:t>
             </a:fld>
             <a:endParaRPr lang="en-US"/>
           </a:p>
@@ -1445,9 +1443,10 @@
           </a:lstStyle>
           <a:p>
             <a:r>
-              <a:rPr lang="en-US"/>
+              <a:rPr lang="en-US" smtClean="0"/>
               <a:t>Click to edit Master title style</a:t>
             </a:r>
+            <a:endParaRPr lang="en-US"/>
           </a:p>
         </p:txBody>
       </p:sp>
@@ -1510,7 +1509,7 @@
           <a:p>
             <a:pPr lvl="0"/>
             <a:r>
-              <a:rPr lang="en-US"/>
+              <a:rPr lang="en-US" smtClean="0"/>
               <a:t>Click to edit Master text styles</a:t>
             </a:r>
           </a:p>
@@ -1566,37 +1565,38 @@
           <a:p>
             <a:pPr lvl="0"/>
             <a:r>
-              <a:rPr lang="en-US"/>
+              <a:rPr lang="en-US" smtClean="0"/>
               <a:t>Click to edit Master text styles</a:t>
             </a:r>
           </a:p>
           <a:p>
             <a:pPr lvl="1"/>
             <a:r>
-              <a:rPr lang="en-US"/>
+              <a:rPr lang="en-US" smtClean="0"/>
               <a:t>Second level</a:t>
             </a:r>
           </a:p>
           <a:p>
             <a:pPr lvl="2"/>
             <a:r>
-              <a:rPr lang="en-US"/>
+              <a:rPr lang="en-US" smtClean="0"/>
               <a:t>Third level</a:t>
             </a:r>
           </a:p>
           <a:p>
             <a:pPr lvl="3"/>
             <a:r>
-              <a:rPr lang="en-US"/>
+              <a:rPr lang="en-US" smtClean="0"/>
               <a:t>Fourth level</a:t>
             </a:r>
           </a:p>
           <a:p>
             <a:pPr lvl="4"/>
             <a:r>
-              <a:rPr lang="en-US"/>
+              <a:rPr lang="en-US" smtClean="0"/>
               <a:t>Fifth level</a:t>
             </a:r>
+            <a:endParaRPr lang="en-US"/>
           </a:p>
         </p:txBody>
       </p:sp>
@@ -1659,7 +1659,7 @@
           <a:p>
             <a:pPr lvl="0"/>
             <a:r>
-              <a:rPr lang="en-US"/>
+              <a:rPr lang="en-US" smtClean="0"/>
               <a:t>Click to edit Master text styles</a:t>
             </a:r>
           </a:p>
@@ -1715,37 +1715,38 @@
           <a:p>
             <a:pPr lvl="0"/>
             <a:r>
-              <a:rPr lang="en-US"/>
+              <a:rPr lang="en-US" smtClean="0"/>
               <a:t>Click to edit Master text styles</a:t>
             </a:r>
           </a:p>
           <a:p>
             <a:pPr lvl="1"/>
             <a:r>
-              <a:rPr lang="en-US"/>
+              <a:rPr lang="en-US" smtClean="0"/>
               <a:t>Second level</a:t>
             </a:r>
           </a:p>
           <a:p>
             <a:pPr lvl="2"/>
             <a:r>
-              <a:rPr lang="en-US"/>
+              <a:rPr lang="en-US" smtClean="0"/>
               <a:t>Third level</a:t>
             </a:r>
           </a:p>
           <a:p>
             <a:pPr lvl="3"/>
             <a:r>
-              <a:rPr lang="en-US"/>
+              <a:rPr lang="en-US" smtClean="0"/>
               <a:t>Fourth level</a:t>
             </a:r>
           </a:p>
           <a:p>
             <a:pPr lvl="4"/>
             <a:r>
-              <a:rPr lang="en-US"/>
+              <a:rPr lang="en-US" smtClean="0"/>
               <a:t>Fifth level</a:t>
             </a:r>
+            <a:endParaRPr lang="en-US"/>
           </a:p>
         </p:txBody>
       </p:sp>
@@ -1766,7 +1767,7 @@
           <a:p>
             <a:fld id="{5BCAD085-E8A6-8845-BD4E-CB4CCA059FC4}" type="datetimeFigureOut">
               <a:rPr lang="en-US" smtClean="0"/>
-              <a:t>3/31/2025</a:t>
+              <a:t>1/27/13</a:t>
             </a:fld>
             <a:endParaRPr lang="en-US"/>
           </a:p>
@@ -1860,9 +1861,10 @@
           <a:lstStyle/>
           <a:p>
             <a:r>
-              <a:rPr lang="en-US"/>
+              <a:rPr lang="en-US" smtClean="0"/>
               <a:t>Click to edit Master title style</a:t>
             </a:r>
+            <a:endParaRPr lang="en-US"/>
           </a:p>
         </p:txBody>
       </p:sp>
@@ -1883,7 +1885,7 @@
           <a:p>
             <a:fld id="{5BCAD085-E8A6-8845-BD4E-CB4CCA059FC4}" type="datetimeFigureOut">
               <a:rPr lang="en-US" smtClean="0"/>
-              <a:t>3/31/2025</a:t>
+              <a:t>1/27/13</a:t>
             </a:fld>
             <a:endParaRPr lang="en-US"/>
           </a:p>
@@ -1978,7 +1980,7 @@
           <a:p>
             <a:fld id="{5BCAD085-E8A6-8845-BD4E-CB4CCA059FC4}" type="datetimeFigureOut">
               <a:rPr lang="en-US" smtClean="0"/>
-              <a:t>3/31/2025</a:t>
+              <a:t>1/27/13</a:t>
             </a:fld>
             <a:endParaRPr lang="en-US"/>
           </a:p>
@@ -2081,9 +2083,10 @@
           </a:lstStyle>
           <a:p>
             <a:r>
-              <a:rPr lang="en-US"/>
+              <a:rPr lang="en-US" smtClean="0"/>
               <a:t>Click to edit Master title style</a:t>
             </a:r>
+            <a:endParaRPr lang="en-US"/>
           </a:p>
         </p:txBody>
       </p:sp>
@@ -2137,37 +2140,38 @@
           <a:p>
             <a:pPr lvl="0"/>
             <a:r>
-              <a:rPr lang="en-US"/>
+              <a:rPr lang="en-US" smtClean="0"/>
               <a:t>Click to edit Master text styles</a:t>
             </a:r>
           </a:p>
           <a:p>
             <a:pPr lvl="1"/>
             <a:r>
-              <a:rPr lang="en-US"/>
+              <a:rPr lang="en-US" smtClean="0"/>
               <a:t>Second level</a:t>
             </a:r>
           </a:p>
           <a:p>
             <a:pPr lvl="2"/>
             <a:r>
-              <a:rPr lang="en-US"/>
+              <a:rPr lang="en-US" smtClean="0"/>
               <a:t>Third level</a:t>
             </a:r>
           </a:p>
           <a:p>
             <a:pPr lvl="3"/>
             <a:r>
-              <a:rPr lang="en-US"/>
+              <a:rPr lang="en-US" smtClean="0"/>
               <a:t>Fourth level</a:t>
             </a:r>
           </a:p>
           <a:p>
             <a:pPr lvl="4"/>
             <a:r>
-              <a:rPr lang="en-US"/>
+              <a:rPr lang="en-US" smtClean="0"/>
               <a:t>Fifth level</a:t>
             </a:r>
+            <a:endParaRPr lang="en-US"/>
           </a:p>
         </p:txBody>
       </p:sp>
@@ -2230,7 +2234,7 @@
           <a:p>
             <a:pPr lvl="0"/>
             <a:r>
-              <a:rPr lang="en-US"/>
+              <a:rPr lang="en-US" smtClean="0"/>
               <a:t>Click to edit Master text styles</a:t>
             </a:r>
           </a:p>
@@ -2253,7 +2257,7 @@
           <a:p>
             <a:fld id="{5BCAD085-E8A6-8845-BD4E-CB4CCA059FC4}" type="datetimeFigureOut">
               <a:rPr lang="en-US" smtClean="0"/>
-              <a:t>3/31/2025</a:t>
+              <a:t>1/27/13</a:t>
             </a:fld>
             <a:endParaRPr lang="en-US"/>
           </a:p>
@@ -2356,9 +2360,10 @@
           </a:lstStyle>
           <a:p>
             <a:r>
-              <a:rPr lang="en-US"/>
+              <a:rPr lang="en-US" smtClean="0"/>
               <a:t>Click to edit Master title style</a:t>
             </a:r>
+            <a:endParaRPr lang="en-US"/>
           </a:p>
         </p:txBody>
       </p:sp>
@@ -2482,7 +2487,7 @@
           <a:p>
             <a:pPr lvl="0"/>
             <a:r>
-              <a:rPr lang="en-US"/>
+              <a:rPr lang="en-US" smtClean="0"/>
               <a:t>Click to edit Master text styles</a:t>
             </a:r>
           </a:p>
@@ -2505,7 +2510,7 @@
           <a:p>
             <a:fld id="{5BCAD085-E8A6-8845-BD4E-CB4CCA059FC4}" type="datetimeFigureOut">
               <a:rPr lang="en-US" smtClean="0"/>
-              <a:t>3/31/2025</a:t>
+              <a:t>1/27/13</a:t>
             </a:fld>
             <a:endParaRPr lang="en-US"/>
           </a:p>
@@ -2614,9 +2619,10 @@
           <a:lstStyle/>
           <a:p>
             <a:r>
-              <a:rPr lang="en-US"/>
+              <a:rPr lang="en-US" smtClean="0"/>
               <a:t>Click to edit Master title style</a:t>
             </a:r>
+            <a:endParaRPr lang="en-US"/>
           </a:p>
         </p:txBody>
       </p:sp>
@@ -2647,37 +2653,38 @@
           <a:p>
             <a:pPr lvl="0"/>
             <a:r>
-              <a:rPr lang="en-US"/>
+              <a:rPr lang="en-US" smtClean="0"/>
               <a:t>Click to edit Master text styles</a:t>
             </a:r>
           </a:p>
           <a:p>
             <a:pPr lvl="1"/>
             <a:r>
-              <a:rPr lang="en-US"/>
+              <a:rPr lang="en-US" smtClean="0"/>
               <a:t>Second level</a:t>
             </a:r>
           </a:p>
           <a:p>
             <a:pPr lvl="2"/>
             <a:r>
-              <a:rPr lang="en-US"/>
+              <a:rPr lang="en-US" smtClean="0"/>
               <a:t>Third level</a:t>
             </a:r>
           </a:p>
           <a:p>
             <a:pPr lvl="3"/>
             <a:r>
-              <a:rPr lang="en-US"/>
+              <a:rPr lang="en-US" smtClean="0"/>
               <a:t>Fourth level</a:t>
             </a:r>
           </a:p>
           <a:p>
             <a:pPr lvl="4"/>
             <a:r>
-              <a:rPr lang="en-US"/>
+              <a:rPr lang="en-US" smtClean="0"/>
               <a:t>Fifth level</a:t>
             </a:r>
+            <a:endParaRPr lang="en-US"/>
           </a:p>
         </p:txBody>
       </p:sp>
@@ -2716,7 +2723,7 @@
           <a:p>
             <a:fld id="{5BCAD085-E8A6-8845-BD4E-CB4CCA059FC4}" type="datetimeFigureOut">
               <a:rPr lang="en-US" smtClean="0"/>
-              <a:t>3/31/2025</a:t>
+              <a:t>1/27/13</a:t>
             </a:fld>
             <a:endParaRPr lang="en-US"/>
           </a:p>
@@ -3075,7 +3082,7 @@
 </file>
 
 <file path=ppt/slides/slide1.xml><?xml version="1.0" encoding="utf-8"?>
-<p:sld xmlns:a="http://schemas.openxmlformats.org/drawingml/2006/main" xmlns:r="http://schemas.openxmlformats.org/officeDocument/2006/relationships" xmlns:p="http://schemas.openxmlformats.org/presentationml/2006/main">
+<p:sld xmlns:a="http://schemas.openxmlformats.org/drawingml/2006/main" xmlns:p="http://schemas.openxmlformats.org/presentationml/2006/main" xmlns:r="http://schemas.openxmlformats.org/officeDocument/2006/relationships">
   <p:cSld>
     <p:bg>
       <p:bgPr>
@@ -3091,14 +3098,7 @@
         <p:cNvGrpSpPr/>
         <p:nvPr/>
       </p:nvGrpSpPr>
-      <p:grpSpPr>
-        <a:xfrm>
-          <a:off x="0" y="0"/>
-          <a:ext cx="0" cy="0"/>
-          <a:chOff x="0" y="0"/>
-          <a:chExt cx="0" cy="0"/>
-        </a:xfrm>
-      </p:grpSpPr>
+      <p:grpSpPr/>
       <p:sp>
         <p:nvSpPr>
           <p:cNvPr id="2" name="Title 1"/>
@@ -3109,12 +3109,7 @@
             <p:ph type="title"/>
           </p:nvPr>
         </p:nvSpPr>
-        <p:spPr>
-          <a:xfrm>
-            <a:off x="2057400" y="1600200"/>
-            <a:ext cx="8229600" cy="1143000"/>
-          </a:xfrm>
-        </p:spPr>
+        <p:spPr/>
         <p:txBody>
           <a:bodyPr/>
           <a:lstStyle/>
@@ -3127,8 +3122,7 @@
               </a:defRPr>
             </a:pPr>
             <a:r>
-              <a:rPr dirty="0"/>
-              <a:t>Presentation Title</a:t>
+              <a:t>Dynamic Presentation Title</a:t>
             </a:r>
           </a:p>
         </p:txBody>
@@ -3141,7 +3135,7 @@
         </p:nvSpPr>
         <p:spPr>
           <a:xfrm>
-            <a:off x="8311896" y="4343400"/>
+            <a:off x="3657600" y="4572000"/>
             <a:ext cx="4572000" cy="914400"/>
           </a:xfrm>
           <a:prstGeom prst="rect">
@@ -3163,8 +3157,7 @@
               </a:defRPr>
             </a:pPr>
             <a:r>
-              <a:rPr dirty="0"/>
-              <a:t>By Author Name</a:t>
+              <a:t>By John Doe</a:t>
             </a:r>
           </a:p>
         </p:txBody>
@@ -3178,7 +3171,7 @@
 </file>
 
 <file path=ppt/slides/slide2.xml><?xml version="1.0" encoding="utf-8"?>
-<p:sld xmlns:a="http://schemas.openxmlformats.org/drawingml/2006/main" xmlns:r="http://schemas.openxmlformats.org/officeDocument/2006/relationships" xmlns:p="http://schemas.openxmlformats.org/presentationml/2006/main">
+<p:sld xmlns:a="http://schemas.openxmlformats.org/drawingml/2006/main" xmlns:p="http://schemas.openxmlformats.org/presentationml/2006/main" xmlns:r="http://schemas.openxmlformats.org/officeDocument/2006/relationships">
   <p:cSld>
     <p:bg>
       <p:bgPr>
@@ -3190,33 +3183,14 @@
     </p:bg>
     <p:spTree>
       <p:nvGrpSpPr>
-        <p:cNvPr id="1" name="">
-          <a:extLst>
-            <a:ext uri="{FF2B5EF4-FFF2-40B4-BE49-F238E27FC236}">
-              <a16:creationId xmlns:a16="http://schemas.microsoft.com/office/drawing/2014/main" id="{542A587D-97C8-627C-B64A-8CC1BE61408B}"/>
-            </a:ext>
-          </a:extLst>
-        </p:cNvPr>
+        <p:cNvPr id="1" name=""/>
         <p:cNvGrpSpPr/>
         <p:nvPr/>
       </p:nvGrpSpPr>
-      <p:grpSpPr>
-        <a:xfrm>
-          <a:off x="0" y="0"/>
-          <a:ext cx="0" cy="0"/>
-          <a:chOff x="0" y="0"/>
-          <a:chExt cx="0" cy="0"/>
-        </a:xfrm>
-      </p:grpSpPr>
-      <p:sp>
-        <p:nvSpPr>
-          <p:cNvPr id="2" name="Title 1">
-            <a:extLst>
-              <a:ext uri="{FF2B5EF4-FFF2-40B4-BE49-F238E27FC236}">
-                <a16:creationId xmlns:a16="http://schemas.microsoft.com/office/drawing/2014/main" id="{EC6621FC-6A52-E0F4-AFE7-F64900599BAA}"/>
-              </a:ext>
-            </a:extLst>
-          </p:cNvPr>
+      <p:grpSpPr/>
+      <p:sp>
+        <p:nvSpPr>
+          <p:cNvPr id="2" name="Title 1"/>
           <p:cNvSpPr>
             <a:spLocks noGrp="1"/>
           </p:cNvSpPr>
@@ -3224,39 +3198,234 @@
             <p:ph type="title"/>
           </p:nvPr>
         </p:nvSpPr>
+        <p:spPr/>
+        <p:txBody>
+          <a:bodyPr/>
+          <a:lstStyle/>
+          <a:p>
+            <a:pPr>
+              <a:defRPr sz="3600" b="1">
+                <a:solidFill>
+                  <a:srgbClr val="000000"/>
+                </a:solidFill>
+              </a:defRPr>
+            </a:pPr>
+            <a:r>
+              <a:t>Content Slide Title</a:t>
+            </a:r>
+          </a:p>
+        </p:txBody>
+      </p:sp>
+      <p:sp>
+        <p:nvSpPr>
+          <p:cNvPr id="3" name="Content Placeholder 2"/>
+          <p:cNvSpPr>
+            <a:spLocks noGrp="1"/>
+          </p:cNvSpPr>
+          <p:nvPr>
+            <p:ph idx="1"/>
+          </p:nvPr>
+        </p:nvSpPr>
+        <p:spPr/>
+        <p:txBody>
+          <a:bodyPr/>
+          <a:lstStyle/>
+          <a:p/>
+          <a:p>
+            <a:pPr>
+              <a:defRPr sz="2400">
+                <a:solidFill>
+                  <a:srgbClr val="000000"/>
+                </a:solidFill>
+              </a:defRPr>
+            </a:pPr>
+            <a:r>
+              <a:t>Point 1</a:t>
+            </a:r>
+          </a:p>
+          <a:p>
+            <a:pPr>
+              <a:defRPr sz="2400">
+                <a:solidFill>
+                  <a:srgbClr val="000000"/>
+                </a:solidFill>
+              </a:defRPr>
+            </a:pPr>
+            <a:r>
+              <a:t>Point 2</a:t>
+            </a:r>
+          </a:p>
+          <a:p>
+            <a:pPr>
+              <a:defRPr sz="2400">
+                <a:solidFill>
+                  <a:srgbClr val="000000"/>
+                </a:solidFill>
+              </a:defRPr>
+            </a:pPr>
+            <a:r>
+              <a:t>Point 3</a:t>
+            </a:r>
+          </a:p>
+        </p:txBody>
+      </p:sp>
+    </p:spTree>
+  </p:cSld>
+  <p:clrMapOvr>
+    <a:masterClrMapping/>
+  </p:clrMapOvr>
+</p:sld>
+</file>
+
+<file path=ppt/slides/slide3.xml><?xml version="1.0" encoding="utf-8"?>
+<p:sld xmlns:a="http://schemas.openxmlformats.org/drawingml/2006/main" xmlns:p="http://schemas.openxmlformats.org/presentationml/2006/main" xmlns:r="http://schemas.openxmlformats.org/officeDocument/2006/relationships">
+  <p:cSld>
+    <p:bg>
+      <p:bgPr>
+        <a:solidFill>
+          <a:srgbClr val="003366"/>
+        </a:solidFill>
+        <a:effectLst/>
+      </p:bgPr>
+    </p:bg>
+    <p:spTree>
+      <p:nvGrpSpPr>
+        <p:cNvPr id="1" name=""/>
+        <p:cNvGrpSpPr/>
+        <p:nvPr/>
+      </p:nvGrpSpPr>
+      <p:grpSpPr/>
+      <p:sp>
+        <p:nvSpPr>
+          <p:cNvPr id="2" name="Title 1"/>
+          <p:cNvSpPr>
+            <a:spLocks noGrp="1"/>
+          </p:cNvSpPr>
+          <p:nvPr>
+            <p:ph type="title"/>
+          </p:nvPr>
+        </p:nvSpPr>
+        <p:spPr/>
+        <p:txBody>
+          <a:bodyPr/>
+          <a:lstStyle/>
+          <a:p/>
+        </p:txBody>
+      </p:sp>
+      <p:pic>
+        <p:nvPicPr>
+          <p:cNvPr id="3" name="Picture 2" descr="placeholder.jpg"/>
+          <p:cNvPicPr>
+            <a:picLocks noChangeAspect="1"/>
+          </p:cNvPicPr>
+          <p:nvPr/>
+        </p:nvPicPr>
+        <p:blipFill>
+          <a:blip r:embed="rId2"/>
+          <a:stretch>
+            <a:fillRect/>
+          </a:stretch>
+        </p:blipFill>
         <p:spPr>
           <a:xfrm>
-            <a:off x="3588956" y="2167128"/>
-            <a:ext cx="5010912" cy="1463040"/>
+            <a:off x="914400" y="1371600"/>
+            <a:ext cx="4572000" cy="3657600"/>
           </a:xfrm>
+          <a:prstGeom prst="rect">
+            <a:avLst/>
+          </a:prstGeom>
         </p:spPr>
-        <p:txBody>
-          <a:bodyPr>
-            <a:noAutofit/>
+      </p:pic>
+      <p:sp>
+        <p:nvSpPr>
+          <p:cNvPr id="4" name="TextBox 3"/>
+          <p:cNvSpPr txBox="1"/>
+          <p:nvPr/>
+        </p:nvSpPr>
+        <p:spPr>
+          <a:xfrm>
+            <a:off x="6400800" y="1371600"/>
+            <a:ext cx="4572000" cy="3657600"/>
+          </a:xfrm>
+          <a:prstGeom prst="rect">
+            <a:avLst/>
+          </a:prstGeom>
+          <a:noFill/>
+        </p:spPr>
+        <p:txBody>
+          <a:bodyPr wrap="none">
+            <a:spAutoFit/>
           </a:bodyPr>
           <a:lstStyle/>
           <a:p>
             <a:pPr>
-              <a:defRPr sz="4400" b="1">
+              <a:defRPr sz="3200" b="1">
+                <a:solidFill>
+                  <a:srgbClr val="FF5722"/>
+                </a:solidFill>
+              </a:defRPr>
+            </a:pPr>
+            <a:r>
+              <a:t>Image + Text Layout</a:t>
+            </a:r>
+          </a:p>
+        </p:txBody>
+      </p:sp>
+    </p:spTree>
+  </p:cSld>
+  <p:clrMapOvr>
+    <a:masterClrMapping/>
+  </p:clrMapOvr>
+</p:sld>
+</file>
+
+<file path=ppt/slides/slide4.xml><?xml version="1.0" encoding="utf-8"?>
+<p:sld xmlns:a="http://schemas.openxmlformats.org/drawingml/2006/main" xmlns:p="http://schemas.openxmlformats.org/presentationml/2006/main" xmlns:r="http://schemas.openxmlformats.org/officeDocument/2006/relationships">
+  <p:cSld>
+    <p:bg>
+      <p:bgPr>
+        <a:solidFill>
+          <a:srgbClr val="003366"/>
+        </a:solidFill>
+        <a:effectLst/>
+      </p:bgPr>
+    </p:bg>
+    <p:spTree>
+      <p:nvGrpSpPr>
+        <p:cNvPr id="1" name=""/>
+        <p:cNvGrpSpPr/>
+        <p:nvPr/>
+      </p:nvGrpSpPr>
+      <p:grpSpPr/>
+      <p:sp>
+        <p:nvSpPr>
+          <p:cNvPr id="2" name="Title 1"/>
+          <p:cNvSpPr>
+            <a:spLocks noGrp="1"/>
+          </p:cNvSpPr>
+          <p:nvPr>
+            <p:ph type="title"/>
+          </p:nvPr>
+        </p:nvSpPr>
+        <p:spPr/>
+        <p:txBody>
+          <a:bodyPr/>
+          <a:lstStyle/>
+          <a:p>
+            <a:pPr algn="l">
+              <a:defRPr sz="4800" b="1">
                 <a:solidFill>
                   <a:srgbClr val="FFFFFF"/>
                 </a:solidFill>
               </a:defRPr>
             </a:pPr>
             <a:r>
-              <a:rPr lang="en-US" sz="5400" dirty="0"/>
-              <a:t>THANK YOU</a:t>
-            </a:r>
-            <a:endParaRPr sz="5400" dirty="0"/>
+              <a:t>Thank You!</a:t>
+            </a:r>
           </a:p>
         </p:txBody>
       </p:sp>
     </p:spTree>
-    <p:extLst>
-      <p:ext uri="{BB962C8B-B14F-4D97-AF65-F5344CB8AC3E}">
-        <p14:creationId xmlns:p14="http://schemas.microsoft.com/office/powerpoint/2010/main" val="2214594514"/>
-      </p:ext>
-    </p:extLst>
   </p:cSld>
   <p:clrMapOvr>
     <a:masterClrMapping/>
